--- a/docs/OMDB.pptx
+++ b/docs/OMDB.pptx
@@ -5,22 +5,24 @@
     <p:sldMasterId id="2147483651" r:id="rId1"/>
   </p:sldMasterIdLst>
   <p:notesMasterIdLst>
-    <p:notesMasterId r:id="rId7"/>
+    <p:notesMasterId r:id="rId9"/>
   </p:notesMasterIdLst>
   <p:handoutMasterIdLst>
-    <p:handoutMasterId r:id="rId8"/>
+    <p:handoutMasterId r:id="rId10"/>
   </p:handoutMasterIdLst>
   <p:sldIdLst>
     <p:sldId id="420" r:id="rId2"/>
     <p:sldId id="465" r:id="rId3"/>
-    <p:sldId id="498" r:id="rId4"/>
-    <p:sldId id="499" r:id="rId5"/>
-    <p:sldId id="497" r:id="rId6"/>
+    <p:sldId id="501" r:id="rId4"/>
+    <p:sldId id="500" r:id="rId5"/>
+    <p:sldId id="498" r:id="rId6"/>
+    <p:sldId id="499" r:id="rId7"/>
+    <p:sldId id="497" r:id="rId8"/>
   </p:sldIdLst>
   <p:sldSz cx="9144000" cy="6858000" type="screen4x3"/>
   <p:notesSz cx="6991350" cy="9282113"/>
   <p:custDataLst>
-    <p:tags r:id="rId9"/>
+    <p:tags r:id="rId11"/>
   </p:custDataLst>
   <p:defaultTextStyle>
     <a:defPPr>
@@ -2182,7 +2184,7 @@
                 </a:solidFill>
                 <a:latin typeface="Times New Roman" pitchFamily="18" charset="0"/>
               </a:rPr>
-              <a:t>OMDB (phase 2.0)</a:t>
+              <a:t>OMDB (phase 3.0)</a:t>
             </a:r>
           </a:p>
           <a:p>
@@ -2591,7 +2593,7 @@
                   <a:schemeClr val="bg2"/>
                 </a:solidFill>
               </a:rPr>
-              <a:t>: Movie names in multi-byte characters.</a:t>
+              <a:t>: Movie names in multi-byte characters).</a:t>
             </a:r>
           </a:p>
           <a:p>
@@ -2821,7 +2823,7 @@
         <p:spPr>
           <a:xfrm>
             <a:off x="1066800" y="157742"/>
-            <a:ext cx="7992386" cy="461665"/>
+            <a:ext cx="7992386" cy="584775"/>
           </a:xfrm>
           <a:prstGeom prst="rect">
             <a:avLst/>
@@ -2835,14 +2837,14 @@
           <a:lstStyle/>
           <a:p>
             <a:r>
-              <a:rPr lang="en-US" b="1" dirty="0">
-                <a:solidFill>
-                  <a:schemeClr val="bg2"/>
-                </a:solidFill>
-              </a:rPr>
-              <a:t>Enhancements (Phase 2)</a:t>
-            </a:r>
-            <a:endParaRPr lang="en-US" dirty="0">
+              <a:rPr lang="en-US" sz="3200" b="1" dirty="0">
+                <a:solidFill>
+                  <a:schemeClr val="bg2"/>
+                </a:solidFill>
+              </a:rPr>
+              <a:t>OMDB Schema &amp; References</a:t>
+            </a:r>
+            <a:endParaRPr lang="en-US" sz="3200" dirty="0">
               <a:solidFill>
                 <a:schemeClr val="bg2"/>
               </a:solidFill>
@@ -2864,8 +2866,8 @@
         </p:nvSpPr>
         <p:spPr>
           <a:xfrm>
-            <a:off x="304800" y="1199185"/>
-            <a:ext cx="8534400" cy="5016758"/>
+            <a:off x="228600" y="1371600"/>
+            <a:ext cx="8610600" cy="3539430"/>
           </a:xfrm>
           <a:prstGeom prst="rect">
             <a:avLst/>
@@ -2883,46 +2885,8 @@
                 <a:solidFill>
                   <a:schemeClr val="bg2"/>
                 </a:solidFill>
-                <a:latin typeface="+mn-lt"/>
-              </a:rPr>
-              <a:t>[1] Refactor the application so that it makes use of </a:t>
-            </a:r>
-            <a:r>
-              <a:rPr lang="en-US" sz="1600" dirty="0" err="1">
-                <a:solidFill>
-                  <a:schemeClr val="bg2"/>
-                </a:solidFill>
-                <a:latin typeface="+mn-lt"/>
-              </a:rPr>
-              <a:t>indic</a:t>
-            </a:r>
-            <a:r>
-              <a:rPr lang="en-US" sz="1600" dirty="0">
-                <a:solidFill>
-                  <a:schemeClr val="bg2"/>
-                </a:solidFill>
-                <a:latin typeface="+mn-lt"/>
-              </a:rPr>
-              <a:t>-wp application (</a:t>
-            </a:r>
-            <a:r>
-              <a:rPr lang="en-US" sz="1600" dirty="0">
-                <a:solidFill>
-                  <a:schemeClr val="bg2"/>
-                </a:solidFill>
-                <a:latin typeface="+mn-lt"/>
-                <a:hlinkClick r:id="rId2"/>
-              </a:rPr>
-              <a:t>www.github.com/sjasthi/indic-wp</a:t>
-            </a:r>
-            <a:r>
-              <a:rPr lang="en-US" sz="1600" dirty="0">
-                <a:solidFill>
-                  <a:schemeClr val="bg2"/>
-                </a:solidFill>
-                <a:latin typeface="+mn-lt"/>
-              </a:rPr>
-              <a:t>)</a:t>
+              </a:rPr>
+              <a:t>OMDB (Online Movie Database) is a web application to manage movies, songs and people.</a:t>
             </a:r>
           </a:p>
           <a:p>
@@ -2930,8 +2894,6 @@
               <a:solidFill>
                 <a:schemeClr val="bg2"/>
               </a:solidFill>
-              <a:latin typeface="+mn-lt"/>
-              <a:cs typeface="NATS" pitchFamily="2" charset="0"/>
             </a:endParaRPr>
           </a:p>
           <a:p>
@@ -2940,10 +2902,8 @@
                 <a:solidFill>
                   <a:schemeClr val="bg2"/>
                 </a:solidFill>
-                <a:latin typeface="+mn-lt"/>
-                <a:cs typeface="NATS" pitchFamily="2" charset="0"/>
-              </a:rPr>
-              <a:t>[2] Support the creation of a movie in one go in the web-GUI.</a:t>
+              </a:rPr>
+              <a:t>It provides the CRUD support, reports, queries, and views on Web.</a:t>
             </a:r>
           </a:p>
           <a:p>
@@ -2951,8 +2911,6 @@
               <a:solidFill>
                 <a:schemeClr val="bg2"/>
               </a:solidFill>
-              <a:latin typeface="+mn-lt"/>
-              <a:cs typeface="NATS" pitchFamily="2" charset="0"/>
             </a:endParaRPr>
           </a:p>
           <a:p>
@@ -2961,225 +2919,140 @@
                 <a:solidFill>
                   <a:schemeClr val="bg2"/>
                 </a:solidFill>
-                <a:latin typeface="+mn-lt"/>
-                <a:cs typeface="NATS" pitchFamily="2" charset="0"/>
-              </a:rPr>
-              <a:t>One form should show different sections. And admins can create the basic data or fill-in all the data to create</a:t>
-            </a:r>
-          </a:p>
-          <a:p>
-            <a:pPr marL="285750" indent="-285750">
-              <a:buFont typeface="Arial" panose="020B0604020202020204" pitchFamily="34" charset="0"/>
-              <a:buChar char="•"/>
-            </a:pPr>
+              </a:rPr>
+              <a:t>It also works for multi-byte data (</a:t>
+            </a:r>
+            <a:r>
+              <a:rPr lang="en-US" sz="1600" dirty="0" err="1">
+                <a:solidFill>
+                  <a:schemeClr val="bg2"/>
+                </a:solidFill>
+              </a:rPr>
+              <a:t>eg</a:t>
+            </a:r>
             <a:r>
               <a:rPr lang="en-US" sz="1600" dirty="0">
                 <a:solidFill>
                   <a:schemeClr val="bg2"/>
                 </a:solidFill>
-                <a:latin typeface="+mn-lt"/>
-                <a:cs typeface="NATS" pitchFamily="2" charset="0"/>
-              </a:rPr>
-              <a:t>Movie basic data (mandatory minimum)</a:t>
-            </a:r>
-          </a:p>
-          <a:p>
-            <a:pPr marL="285750" indent="-285750">
-              <a:buFont typeface="Arial" panose="020B0604020202020204" pitchFamily="34" charset="0"/>
-              <a:buChar char="•"/>
-            </a:pPr>
-            <a:r>
-              <a:rPr lang="en-US" sz="1600" dirty="0">
-                <a:solidFill>
-                  <a:schemeClr val="bg2"/>
-                </a:solidFill>
-                <a:latin typeface="+mn-lt"/>
-                <a:cs typeface="NATS" pitchFamily="2" charset="0"/>
-              </a:rPr>
-              <a:t>Movie additional data</a:t>
-            </a:r>
-          </a:p>
-          <a:p>
-            <a:pPr marL="285750" indent="-285750">
-              <a:buFont typeface="Arial" panose="020B0604020202020204" pitchFamily="34" charset="0"/>
-              <a:buChar char="•"/>
-            </a:pPr>
-            <a:r>
-              <a:rPr lang="en-US" sz="1600" dirty="0">
-                <a:solidFill>
-                  <a:schemeClr val="bg2"/>
-                </a:solidFill>
-                <a:latin typeface="+mn-lt"/>
-                <a:cs typeface="NATS" pitchFamily="2" charset="0"/>
-              </a:rPr>
-              <a:t>Movie media</a:t>
-            </a:r>
-          </a:p>
-          <a:p>
-            <a:pPr marL="285750" indent="-285750">
-              <a:buFont typeface="Arial" panose="020B0604020202020204" pitchFamily="34" charset="0"/>
-              <a:buChar char="•"/>
-            </a:pPr>
-            <a:r>
-              <a:rPr lang="en-US" sz="1600" dirty="0">
-                <a:solidFill>
-                  <a:schemeClr val="bg2"/>
-                </a:solidFill>
-                <a:latin typeface="+mn-lt"/>
-                <a:cs typeface="NATS" pitchFamily="2" charset="0"/>
-              </a:rPr>
-              <a:t>Movie numbers</a:t>
-            </a:r>
-          </a:p>
-          <a:p>
-            <a:pPr marL="285750" indent="-285750">
-              <a:buFont typeface="Arial" panose="020B0604020202020204" pitchFamily="34" charset="0"/>
-              <a:buChar char="•"/>
-            </a:pPr>
-            <a:r>
-              <a:rPr lang="en-US" sz="1600" dirty="0">
-                <a:solidFill>
-                  <a:schemeClr val="bg2"/>
-                </a:solidFill>
-                <a:latin typeface="+mn-lt"/>
-                <a:cs typeface="NATS" pitchFamily="2" charset="0"/>
-              </a:rPr>
-              <a:t>Songs</a:t>
-            </a:r>
-          </a:p>
-          <a:p>
-            <a:pPr marL="285750" indent="-285750">
-              <a:buFont typeface="Arial" panose="020B0604020202020204" pitchFamily="34" charset="0"/>
-              <a:buChar char="•"/>
-            </a:pPr>
-            <a:r>
-              <a:rPr lang="en-US" sz="1600" dirty="0">
-                <a:solidFill>
-                  <a:schemeClr val="bg2"/>
-                </a:solidFill>
-                <a:latin typeface="+mn-lt"/>
-                <a:cs typeface="NATS" pitchFamily="2" charset="0"/>
-              </a:rPr>
-              <a:t>Songs-People</a:t>
-            </a:r>
-          </a:p>
-          <a:p>
-            <a:pPr marL="285750" indent="-285750">
-              <a:buFont typeface="Arial" panose="020B0604020202020204" pitchFamily="34" charset="0"/>
-              <a:buChar char="•"/>
-            </a:pPr>
-            <a:r>
-              <a:rPr lang="en-US" sz="1600" dirty="0">
-                <a:solidFill>
-                  <a:schemeClr val="bg2"/>
-                </a:solidFill>
-                <a:latin typeface="+mn-lt"/>
-                <a:cs typeface="NATS" pitchFamily="2" charset="0"/>
-              </a:rPr>
-              <a:t>People</a:t>
-            </a:r>
-          </a:p>
-          <a:p>
-            <a:pPr marL="285750" indent="-285750">
-              <a:buFont typeface="Arial" panose="020B0604020202020204" pitchFamily="34" charset="0"/>
-              <a:buChar char="•"/>
-            </a:pPr>
+              </a:rPr>
+              <a:t>: Movie names in multi-byte characters).</a:t>
+            </a:r>
+          </a:p>
+          <a:p>
             <a:endParaRPr lang="en-US" sz="1600" dirty="0">
               <a:solidFill>
                 <a:schemeClr val="bg2"/>
               </a:solidFill>
-              <a:latin typeface="+mn-lt"/>
-              <a:cs typeface="NATS" pitchFamily="2" charset="0"/>
-            </a:endParaRPr>
-          </a:p>
-          <a:p>
-            <a:r>
-              <a:rPr lang="en-US" sz="1600" dirty="0">
-                <a:solidFill>
-                  <a:schemeClr val="bg2"/>
-                </a:solidFill>
-                <a:latin typeface="+mn-lt"/>
-                <a:cs typeface="NATS" pitchFamily="2" charset="0"/>
-              </a:rPr>
-              <a:t>[3] Support the mass import of</a:t>
-            </a:r>
+            </a:endParaRPr>
           </a:p>
           <a:p>
             <a:endParaRPr lang="en-US" sz="1600" dirty="0">
               <a:solidFill>
                 <a:schemeClr val="bg2"/>
               </a:solidFill>
-              <a:latin typeface="+mn-lt"/>
-              <a:cs typeface="NATS" pitchFamily="2" charset="0"/>
-            </a:endParaRPr>
-          </a:p>
-          <a:p>
-            <a:pPr marL="285750" indent="-285750">
-              <a:buFont typeface="Arial" panose="020B0604020202020204" pitchFamily="34" charset="0"/>
-              <a:buChar char="•"/>
-            </a:pPr>
-            <a:r>
-              <a:rPr lang="en-US" sz="1600" dirty="0" err="1">
-                <a:solidFill>
-                  <a:schemeClr val="bg2"/>
-                </a:solidFill>
-                <a:latin typeface="+mn-lt"/>
-                <a:cs typeface="NATS" pitchFamily="2" charset="0"/>
-              </a:rPr>
-              <a:t>Mpr</a:t>
-            </a:r>
-            <a:r>
-              <a:rPr lang="en-US" sz="1600" dirty="0">
-                <a:solidFill>
-                  <a:schemeClr val="bg2"/>
-                </a:solidFill>
-                <a:latin typeface="+mn-lt"/>
-                <a:cs typeface="NATS" pitchFamily="2" charset="0"/>
-              </a:rPr>
-              <a:t> test data</a:t>
-            </a:r>
-          </a:p>
-          <a:p>
-            <a:pPr marL="285750" indent="-285750">
-              <a:buFont typeface="Arial" panose="020B0604020202020204" pitchFamily="34" charset="0"/>
-              <a:buChar char="•"/>
-            </a:pPr>
-            <a:r>
-              <a:rPr lang="en-US" sz="1600" dirty="0" err="1">
-                <a:solidFill>
-                  <a:schemeClr val="bg2"/>
-                </a:solidFill>
-                <a:latin typeface="+mn-lt"/>
-                <a:cs typeface="NATS" pitchFamily="2" charset="0"/>
-              </a:rPr>
-              <a:t>Mspr</a:t>
-            </a:r>
-            <a:r>
-              <a:rPr lang="en-US" sz="1600" dirty="0">
-                <a:solidFill>
-                  <a:schemeClr val="bg2"/>
-                </a:solidFill>
-                <a:latin typeface="+mn-lt"/>
-                <a:cs typeface="NATS" pitchFamily="2" charset="0"/>
-              </a:rPr>
-              <a:t> test data</a:t>
-            </a:r>
+            </a:endParaRPr>
           </a:p>
           <a:p>
             <a:endParaRPr lang="en-US" sz="1600" dirty="0">
               <a:solidFill>
                 <a:schemeClr val="bg2"/>
               </a:solidFill>
-              <a:latin typeface="+mn-lt"/>
-              <a:cs typeface="NATS" pitchFamily="2" charset="0"/>
+            </a:endParaRPr>
+          </a:p>
+          <a:p>
+            <a:r>
+              <a:rPr lang="en-US" sz="1600" dirty="0">
+                <a:solidFill>
+                  <a:schemeClr val="bg2"/>
+                </a:solidFill>
+              </a:rPr>
+              <a:t>GITHUB Link:  </a:t>
+            </a:r>
+          </a:p>
+          <a:p>
+            <a:endParaRPr lang="en-US" sz="1600" dirty="0">
+              <a:solidFill>
+                <a:schemeClr val="bg2"/>
+              </a:solidFill>
+            </a:endParaRPr>
+          </a:p>
+          <a:p>
+            <a:r>
+              <a:rPr lang="en-US" sz="1600" dirty="0">
+                <a:solidFill>
+                  <a:schemeClr val="bg2"/>
+                </a:solidFill>
+                <a:hlinkClick r:id="rId2"/>
+              </a:rPr>
+              <a:t>http://www.github.com/omdb</a:t>
+            </a:r>
+            <a:r>
+              <a:rPr lang="en-US" sz="1600" dirty="0">
+                <a:solidFill>
+                  <a:schemeClr val="bg2"/>
+                </a:solidFill>
+              </a:rPr>
+              <a:t>  </a:t>
+            </a:r>
+          </a:p>
+          <a:p>
+            <a:endParaRPr lang="en-US" sz="1600" dirty="0">
+              <a:solidFill>
+                <a:schemeClr val="bg2"/>
+              </a:solidFill>
+            </a:endParaRPr>
+          </a:p>
+          <a:p>
+            <a:endParaRPr lang="en-US" sz="1600" dirty="0">
+              <a:solidFill>
+                <a:schemeClr val="bg2"/>
+              </a:solidFill>
+            </a:endParaRPr>
+          </a:p>
+          <a:p>
+            <a:endParaRPr lang="en-US" sz="1600" dirty="0">
+              <a:solidFill>
+                <a:schemeClr val="bg2"/>
+              </a:solidFill>
             </a:endParaRPr>
           </a:p>
         </p:txBody>
       </p:sp>
+      <p:pic>
+        <p:nvPicPr>
+          <p:cNvPr id="4" name="Picture 3">
+            <a:extLst>
+              <a:ext uri="{FF2B5EF4-FFF2-40B4-BE49-F238E27FC236}">
+                <a16:creationId xmlns:a16="http://schemas.microsoft.com/office/drawing/2014/main" id="{663D0182-1606-433E-AFE6-A5C903ED09D3}"/>
+              </a:ext>
+            </a:extLst>
+          </p:cNvPr>
+          <p:cNvPicPr>
+            <a:picLocks noChangeAspect="1"/>
+          </p:cNvPicPr>
+          <p:nvPr/>
+        </p:nvPicPr>
+        <p:blipFill>
+          <a:blip r:embed="rId3"/>
+          <a:stretch>
+            <a:fillRect/>
+          </a:stretch>
+        </p:blipFill>
+        <p:spPr>
+          <a:xfrm>
+            <a:off x="0" y="4808998"/>
+            <a:ext cx="9144000" cy="1486883"/>
+          </a:xfrm>
+          <a:prstGeom prst="rect">
+            <a:avLst/>
+          </a:prstGeom>
+        </p:spPr>
+      </p:pic>
     </p:spTree>
     <p:extLst>
       <p:ext uri="{BB962C8B-B14F-4D97-AF65-F5344CB8AC3E}">
-        <p14:creationId xmlns:p14="http://schemas.microsoft.com/office/powerpoint/2010/main" val="1006548270"/>
+        <p14:creationId xmlns:p14="http://schemas.microsoft.com/office/powerpoint/2010/main" val="2494648704"/>
       </p:ext>
     </p:extLst>
   </p:cSld>
@@ -3293,6 +3166,821 @@
         <p:spPr>
           <a:xfrm>
             <a:off x="1066800" y="157742"/>
+            <a:ext cx="7992386" cy="584775"/>
+          </a:xfrm>
+          <a:prstGeom prst="rect">
+            <a:avLst/>
+          </a:prstGeom>
+          <a:noFill/>
+        </p:spPr>
+        <p:txBody>
+          <a:bodyPr wrap="square" rtlCol="0">
+            <a:spAutoFit/>
+          </a:bodyPr>
+          <a:lstStyle/>
+          <a:p>
+            <a:r>
+              <a:rPr lang="en-US" sz="3200" b="1" dirty="0">
+                <a:solidFill>
+                  <a:schemeClr val="bg2"/>
+                </a:solidFill>
+              </a:rPr>
+              <a:t>OMDB</a:t>
+            </a:r>
+            <a:endParaRPr lang="en-US" sz="3200" dirty="0">
+              <a:solidFill>
+                <a:schemeClr val="bg2"/>
+              </a:solidFill>
+            </a:endParaRPr>
+          </a:p>
+        </p:txBody>
+      </p:sp>
+      <p:sp>
+        <p:nvSpPr>
+          <p:cNvPr id="5" name="TextBox 4">
+            <a:extLst>
+              <a:ext uri="{FF2B5EF4-FFF2-40B4-BE49-F238E27FC236}">
+                <a16:creationId xmlns:a16="http://schemas.microsoft.com/office/drawing/2014/main" id="{9A62147A-50A0-48C5-A7A5-AF2497E61EB5}"/>
+              </a:ext>
+            </a:extLst>
+          </p:cNvPr>
+          <p:cNvSpPr txBox="1"/>
+          <p:nvPr/>
+        </p:nvSpPr>
+        <p:spPr>
+          <a:xfrm>
+            <a:off x="228600" y="1371600"/>
+            <a:ext cx="8610600" cy="3539430"/>
+          </a:xfrm>
+          <a:prstGeom prst="rect">
+            <a:avLst/>
+          </a:prstGeom>
+          <a:noFill/>
+        </p:spPr>
+        <p:txBody>
+          <a:bodyPr wrap="square" rtlCol="0">
+            <a:spAutoFit/>
+          </a:bodyPr>
+          <a:lstStyle/>
+          <a:p>
+            <a:r>
+              <a:rPr lang="en-US" sz="1600" dirty="0">
+                <a:solidFill>
+                  <a:schemeClr val="bg2"/>
+                </a:solidFill>
+              </a:rPr>
+              <a:t>OMDB (Online Movie Database) is a web application to manage movies, songs and people.</a:t>
+            </a:r>
+          </a:p>
+          <a:p>
+            <a:endParaRPr lang="en-US" sz="1600" dirty="0">
+              <a:solidFill>
+                <a:schemeClr val="bg2"/>
+              </a:solidFill>
+            </a:endParaRPr>
+          </a:p>
+          <a:p>
+            <a:r>
+              <a:rPr lang="en-US" sz="1600" dirty="0">
+                <a:solidFill>
+                  <a:schemeClr val="bg2"/>
+                </a:solidFill>
+              </a:rPr>
+              <a:t>It provides the CRUD support, reports, queries, and views on Web.</a:t>
+            </a:r>
+          </a:p>
+          <a:p>
+            <a:endParaRPr lang="en-US" sz="1600" dirty="0">
+              <a:solidFill>
+                <a:schemeClr val="bg2"/>
+              </a:solidFill>
+            </a:endParaRPr>
+          </a:p>
+          <a:p>
+            <a:r>
+              <a:rPr lang="en-US" sz="1600" dirty="0">
+                <a:solidFill>
+                  <a:schemeClr val="bg2"/>
+                </a:solidFill>
+              </a:rPr>
+              <a:t>It also works for multi-byte data (</a:t>
+            </a:r>
+            <a:r>
+              <a:rPr lang="en-US" sz="1600" dirty="0" err="1">
+                <a:solidFill>
+                  <a:schemeClr val="bg2"/>
+                </a:solidFill>
+              </a:rPr>
+              <a:t>eg</a:t>
+            </a:r>
+            <a:r>
+              <a:rPr lang="en-US" sz="1600" dirty="0">
+                <a:solidFill>
+                  <a:schemeClr val="bg2"/>
+                </a:solidFill>
+              </a:rPr>
+              <a:t>: Movie names in multi-byte characters).</a:t>
+            </a:r>
+          </a:p>
+          <a:p>
+            <a:endParaRPr lang="en-US" sz="1600" dirty="0">
+              <a:solidFill>
+                <a:schemeClr val="bg2"/>
+              </a:solidFill>
+            </a:endParaRPr>
+          </a:p>
+          <a:p>
+            <a:endParaRPr lang="en-US" sz="1600" dirty="0">
+              <a:solidFill>
+                <a:schemeClr val="bg2"/>
+              </a:solidFill>
+            </a:endParaRPr>
+          </a:p>
+          <a:p>
+            <a:endParaRPr lang="en-US" sz="1600" dirty="0">
+              <a:solidFill>
+                <a:schemeClr val="bg2"/>
+              </a:solidFill>
+            </a:endParaRPr>
+          </a:p>
+          <a:p>
+            <a:r>
+              <a:rPr lang="en-US" sz="1600" dirty="0">
+                <a:solidFill>
+                  <a:schemeClr val="bg2"/>
+                </a:solidFill>
+              </a:rPr>
+              <a:t>GITHUB Link:  </a:t>
+            </a:r>
+          </a:p>
+          <a:p>
+            <a:endParaRPr lang="en-US" sz="1600" dirty="0">
+              <a:solidFill>
+                <a:schemeClr val="bg2"/>
+              </a:solidFill>
+            </a:endParaRPr>
+          </a:p>
+          <a:p>
+            <a:r>
+              <a:rPr lang="en-US" sz="1600" dirty="0">
+                <a:solidFill>
+                  <a:schemeClr val="bg2"/>
+                </a:solidFill>
+                <a:hlinkClick r:id="rId2"/>
+              </a:rPr>
+              <a:t>http://www.github.com/omdb</a:t>
+            </a:r>
+            <a:r>
+              <a:rPr lang="en-US" sz="1600" dirty="0">
+                <a:solidFill>
+                  <a:schemeClr val="bg2"/>
+                </a:solidFill>
+              </a:rPr>
+              <a:t>  </a:t>
+            </a:r>
+          </a:p>
+          <a:p>
+            <a:endParaRPr lang="en-US" sz="1600" dirty="0">
+              <a:solidFill>
+                <a:schemeClr val="bg2"/>
+              </a:solidFill>
+            </a:endParaRPr>
+          </a:p>
+          <a:p>
+            <a:endParaRPr lang="en-US" sz="1600" dirty="0">
+              <a:solidFill>
+                <a:schemeClr val="bg2"/>
+              </a:solidFill>
+            </a:endParaRPr>
+          </a:p>
+          <a:p>
+            <a:endParaRPr lang="en-US" sz="1600" dirty="0">
+              <a:solidFill>
+                <a:schemeClr val="bg2"/>
+              </a:solidFill>
+            </a:endParaRPr>
+          </a:p>
+        </p:txBody>
+      </p:sp>
+      <p:pic>
+        <p:nvPicPr>
+          <p:cNvPr id="4" name="Picture 3">
+            <a:extLst>
+              <a:ext uri="{FF2B5EF4-FFF2-40B4-BE49-F238E27FC236}">
+                <a16:creationId xmlns:a16="http://schemas.microsoft.com/office/drawing/2014/main" id="{663D0182-1606-433E-AFE6-A5C903ED09D3}"/>
+              </a:ext>
+            </a:extLst>
+          </p:cNvPr>
+          <p:cNvPicPr>
+            <a:picLocks noChangeAspect="1"/>
+          </p:cNvPicPr>
+          <p:nvPr/>
+        </p:nvPicPr>
+        <p:blipFill>
+          <a:blip r:embed="rId3"/>
+          <a:stretch>
+            <a:fillRect/>
+          </a:stretch>
+        </p:blipFill>
+        <p:spPr>
+          <a:xfrm>
+            <a:off x="0" y="4808998"/>
+            <a:ext cx="9144000" cy="1486883"/>
+          </a:xfrm>
+          <a:prstGeom prst="rect">
+            <a:avLst/>
+          </a:prstGeom>
+        </p:spPr>
+      </p:pic>
+    </p:spTree>
+    <p:extLst>
+      <p:ext uri="{BB962C8B-B14F-4D97-AF65-F5344CB8AC3E}">
+        <p14:creationId xmlns:p14="http://schemas.microsoft.com/office/powerpoint/2010/main" val="3065586128"/>
+      </p:ext>
+    </p:extLst>
+  </p:cSld>
+  <p:clrMapOvr>
+    <a:masterClrMapping/>
+  </p:clrMapOvr>
+  <p:transition/>
+</p:sld>
+</file>
+
+<file path=ppt/slides/slide5.xml><?xml version="1.0" encoding="utf-8"?>
+<p:sld xmlns:a="http://schemas.openxmlformats.org/drawingml/2006/main" xmlns:r="http://schemas.openxmlformats.org/officeDocument/2006/relationships" xmlns:p="http://schemas.openxmlformats.org/presentationml/2006/main">
+  <p:cSld>
+    <p:spTree>
+      <p:nvGrpSpPr>
+        <p:cNvPr id="1" name=""/>
+        <p:cNvGrpSpPr/>
+        <p:nvPr/>
+      </p:nvGrpSpPr>
+      <p:grpSpPr>
+        <a:xfrm>
+          <a:off x="0" y="0"/>
+          <a:ext cx="0" cy="0"/>
+          <a:chOff x="0" y="0"/>
+          <a:chExt cx="0" cy="0"/>
+        </a:xfrm>
+      </p:grpSpPr>
+      <p:sp>
+        <p:nvSpPr>
+          <p:cNvPr id="2" name="Rectangle 2">
+            <a:extLst>
+              <a:ext uri="{FF2B5EF4-FFF2-40B4-BE49-F238E27FC236}">
+                <a16:creationId xmlns:a16="http://schemas.microsoft.com/office/drawing/2014/main" id="{78B07709-97CC-42A8-9B23-59FCDC8FAE05}"/>
+              </a:ext>
+            </a:extLst>
+          </p:cNvPr>
+          <p:cNvSpPr>
+            <a:spLocks noChangeArrowheads="1"/>
+          </p:cNvSpPr>
+          <p:nvPr/>
+        </p:nvSpPr>
+        <p:spPr bwMode="auto">
+          <a:xfrm>
+            <a:off x="0" y="0"/>
+            <a:ext cx="9144000" cy="0"/>
+          </a:xfrm>
+          <a:prstGeom prst="rect">
+            <a:avLst/>
+          </a:prstGeom>
+          <a:noFill/>
+          <a:ln>
+            <a:noFill/>
+          </a:ln>
+          <a:effectLst>
+            <a:prstShdw prst="shdw17" dist="17961" dir="2700000">
+              <a:schemeClr val="accent1">
+                <a:gamma/>
+                <a:shade val="60000"/>
+                <a:invGamma/>
+              </a:schemeClr>
+            </a:prstShdw>
+          </a:effectLst>
+          <a:extLst>
+            <a:ext uri="{909E8E84-426E-40DD-AFC4-6F175D3DCCD1}">
+              <a14:hiddenFill xmlns:a14="http://schemas.microsoft.com/office/drawing/2010/main">
+                <a:solidFill>
+                  <a:schemeClr val="accent1"/>
+                </a:solidFill>
+              </a14:hiddenFill>
+            </a:ext>
+            <a:ext uri="{91240B29-F687-4F45-9708-019B960494DF}">
+              <a14:hiddenLine xmlns:a14="http://schemas.microsoft.com/office/drawing/2010/main" w="12700" cap="flat" cmpd="sng">
+                <a:solidFill>
+                  <a:schemeClr val="tx1"/>
+                </a:solidFill>
+                <a:prstDash val="solid"/>
+                <a:miter lim="800000"/>
+                <a:headEnd type="none" w="sm" len="sm"/>
+                <a:tailEnd type="none" w="sm" len="sm"/>
+              </a14:hiddenLine>
+            </a:ext>
+          </a:extLst>
+        </p:spPr>
+        <p:txBody>
+          <a:bodyPr wrap="none" anchor="ctr">
+            <a:spAutoFit/>
+          </a:bodyPr>
+          <a:lstStyle/>
+          <a:p>
+            <a:pPr>
+              <a:defRPr/>
+            </a:pPr>
+            <a:endParaRPr lang="en-US">
+              <a:cs typeface="+mn-cs"/>
+            </a:endParaRPr>
+          </a:p>
+        </p:txBody>
+      </p:sp>
+      <p:sp>
+        <p:nvSpPr>
+          <p:cNvPr id="6" name="TextBox 5">
+            <a:extLst>
+              <a:ext uri="{FF2B5EF4-FFF2-40B4-BE49-F238E27FC236}">
+                <a16:creationId xmlns:a16="http://schemas.microsoft.com/office/drawing/2014/main" id="{7FB9AC0E-8734-4613-976B-11D0BEFFF939}"/>
+              </a:ext>
+            </a:extLst>
+          </p:cNvPr>
+          <p:cNvSpPr txBox="1"/>
+          <p:nvPr/>
+        </p:nvSpPr>
+        <p:spPr>
+          <a:xfrm>
+            <a:off x="1066800" y="157742"/>
+            <a:ext cx="7992386" cy="461665"/>
+          </a:xfrm>
+          <a:prstGeom prst="rect">
+            <a:avLst/>
+          </a:prstGeom>
+          <a:noFill/>
+        </p:spPr>
+        <p:txBody>
+          <a:bodyPr wrap="square" rtlCol="0">
+            <a:spAutoFit/>
+          </a:bodyPr>
+          <a:lstStyle/>
+          <a:p>
+            <a:r>
+              <a:rPr lang="en-US" b="1" dirty="0">
+                <a:solidFill>
+                  <a:schemeClr val="bg2"/>
+                </a:solidFill>
+              </a:rPr>
+              <a:t>Enhancements (Phase 3)</a:t>
+            </a:r>
+            <a:endParaRPr lang="en-US" dirty="0">
+              <a:solidFill>
+                <a:schemeClr val="bg2"/>
+              </a:solidFill>
+            </a:endParaRPr>
+          </a:p>
+        </p:txBody>
+      </p:sp>
+      <p:sp>
+        <p:nvSpPr>
+          <p:cNvPr id="5" name="TextBox 4">
+            <a:extLst>
+              <a:ext uri="{FF2B5EF4-FFF2-40B4-BE49-F238E27FC236}">
+                <a16:creationId xmlns:a16="http://schemas.microsoft.com/office/drawing/2014/main" id="{9A62147A-50A0-48C5-A7A5-AF2497E61EB5}"/>
+              </a:ext>
+            </a:extLst>
+          </p:cNvPr>
+          <p:cNvSpPr txBox="1"/>
+          <p:nvPr/>
+        </p:nvSpPr>
+        <p:spPr>
+          <a:xfrm>
+            <a:off x="304800" y="1199185"/>
+            <a:ext cx="8534400" cy="5016758"/>
+          </a:xfrm>
+          <a:prstGeom prst="rect">
+            <a:avLst/>
+          </a:prstGeom>
+          <a:noFill/>
+        </p:spPr>
+        <p:txBody>
+          <a:bodyPr wrap="square" rtlCol="0">
+            <a:spAutoFit/>
+          </a:bodyPr>
+          <a:lstStyle/>
+          <a:p>
+            <a:r>
+              <a:rPr lang="en-US" sz="1600" dirty="0">
+                <a:solidFill>
+                  <a:schemeClr val="bg2"/>
+                </a:solidFill>
+                <a:latin typeface="+mn-lt"/>
+              </a:rPr>
+              <a:t>[1] Refactor the application so that it makes use of </a:t>
+            </a:r>
+            <a:r>
+              <a:rPr lang="en-US" sz="1600" dirty="0" err="1">
+                <a:solidFill>
+                  <a:schemeClr val="bg2"/>
+                </a:solidFill>
+                <a:latin typeface="+mn-lt"/>
+              </a:rPr>
+              <a:t>indic</a:t>
+            </a:r>
+            <a:r>
+              <a:rPr lang="en-US" sz="1600" dirty="0">
+                <a:solidFill>
+                  <a:schemeClr val="bg2"/>
+                </a:solidFill>
+                <a:latin typeface="+mn-lt"/>
+              </a:rPr>
+              <a:t>-wp application (</a:t>
+            </a:r>
+            <a:r>
+              <a:rPr lang="en-US" sz="1600" dirty="0">
+                <a:solidFill>
+                  <a:schemeClr val="bg2"/>
+                </a:solidFill>
+                <a:latin typeface="+mn-lt"/>
+                <a:hlinkClick r:id="rId2"/>
+              </a:rPr>
+              <a:t>www.github.com/sjasthi/indic-wp</a:t>
+            </a:r>
+            <a:r>
+              <a:rPr lang="en-US" sz="1600" dirty="0">
+                <a:solidFill>
+                  <a:schemeClr val="bg2"/>
+                </a:solidFill>
+                <a:latin typeface="+mn-lt"/>
+              </a:rPr>
+              <a:t>)</a:t>
+            </a:r>
+          </a:p>
+          <a:p>
+            <a:endParaRPr lang="en-US" sz="1600" dirty="0">
+              <a:solidFill>
+                <a:schemeClr val="bg2"/>
+              </a:solidFill>
+              <a:latin typeface="+mn-lt"/>
+              <a:cs typeface="NATS" pitchFamily="2" charset="0"/>
+            </a:endParaRPr>
+          </a:p>
+          <a:p>
+            <a:r>
+              <a:rPr lang="en-US" sz="1600" dirty="0">
+                <a:solidFill>
+                  <a:schemeClr val="bg2"/>
+                </a:solidFill>
+                <a:latin typeface="+mn-lt"/>
+                <a:cs typeface="NATS" pitchFamily="2" charset="0"/>
+              </a:rPr>
+              <a:t>[2] Support the creation of a movie in one go in the web-GUI.</a:t>
+            </a:r>
+          </a:p>
+          <a:p>
+            <a:endParaRPr lang="en-US" sz="1600" dirty="0">
+              <a:solidFill>
+                <a:schemeClr val="bg2"/>
+              </a:solidFill>
+              <a:latin typeface="+mn-lt"/>
+              <a:cs typeface="NATS" pitchFamily="2" charset="0"/>
+            </a:endParaRPr>
+          </a:p>
+          <a:p>
+            <a:r>
+              <a:rPr lang="en-US" sz="1600" dirty="0">
+                <a:solidFill>
+                  <a:schemeClr val="bg2"/>
+                </a:solidFill>
+                <a:latin typeface="+mn-lt"/>
+                <a:cs typeface="NATS" pitchFamily="2" charset="0"/>
+              </a:rPr>
+              <a:t>One form should show different sections. And admins can create the basic data or fill-in all the data to create</a:t>
+            </a:r>
+          </a:p>
+          <a:p>
+            <a:pPr marL="285750" indent="-285750">
+              <a:buFont typeface="Arial" panose="020B0604020202020204" pitchFamily="34" charset="0"/>
+              <a:buChar char="•"/>
+            </a:pPr>
+            <a:r>
+              <a:rPr lang="en-US" sz="1600" dirty="0">
+                <a:solidFill>
+                  <a:schemeClr val="bg2"/>
+                </a:solidFill>
+                <a:latin typeface="+mn-lt"/>
+                <a:cs typeface="NATS" pitchFamily="2" charset="0"/>
+              </a:rPr>
+              <a:t>Movie basic data (mandatory minimum)</a:t>
+            </a:r>
+          </a:p>
+          <a:p>
+            <a:pPr marL="285750" indent="-285750">
+              <a:buFont typeface="Arial" panose="020B0604020202020204" pitchFamily="34" charset="0"/>
+              <a:buChar char="•"/>
+            </a:pPr>
+            <a:r>
+              <a:rPr lang="en-US" sz="1600" dirty="0">
+                <a:solidFill>
+                  <a:schemeClr val="bg2"/>
+                </a:solidFill>
+                <a:latin typeface="+mn-lt"/>
+                <a:cs typeface="NATS" pitchFamily="2" charset="0"/>
+              </a:rPr>
+              <a:t>Movie additional data</a:t>
+            </a:r>
+          </a:p>
+          <a:p>
+            <a:pPr marL="285750" indent="-285750">
+              <a:buFont typeface="Arial" panose="020B0604020202020204" pitchFamily="34" charset="0"/>
+              <a:buChar char="•"/>
+            </a:pPr>
+            <a:r>
+              <a:rPr lang="en-US" sz="1600" dirty="0">
+                <a:solidFill>
+                  <a:schemeClr val="bg2"/>
+                </a:solidFill>
+                <a:latin typeface="+mn-lt"/>
+                <a:cs typeface="NATS" pitchFamily="2" charset="0"/>
+              </a:rPr>
+              <a:t>Movie media</a:t>
+            </a:r>
+          </a:p>
+          <a:p>
+            <a:pPr marL="285750" indent="-285750">
+              <a:buFont typeface="Arial" panose="020B0604020202020204" pitchFamily="34" charset="0"/>
+              <a:buChar char="•"/>
+            </a:pPr>
+            <a:r>
+              <a:rPr lang="en-US" sz="1600" dirty="0">
+                <a:solidFill>
+                  <a:schemeClr val="bg2"/>
+                </a:solidFill>
+                <a:latin typeface="+mn-lt"/>
+                <a:cs typeface="NATS" pitchFamily="2" charset="0"/>
+              </a:rPr>
+              <a:t>Movie numbers</a:t>
+            </a:r>
+          </a:p>
+          <a:p>
+            <a:pPr marL="285750" indent="-285750">
+              <a:buFont typeface="Arial" panose="020B0604020202020204" pitchFamily="34" charset="0"/>
+              <a:buChar char="•"/>
+            </a:pPr>
+            <a:r>
+              <a:rPr lang="en-US" sz="1600" dirty="0">
+                <a:solidFill>
+                  <a:schemeClr val="bg2"/>
+                </a:solidFill>
+                <a:latin typeface="+mn-lt"/>
+                <a:cs typeface="NATS" pitchFamily="2" charset="0"/>
+              </a:rPr>
+              <a:t>Songs</a:t>
+            </a:r>
+          </a:p>
+          <a:p>
+            <a:pPr marL="285750" indent="-285750">
+              <a:buFont typeface="Arial" panose="020B0604020202020204" pitchFamily="34" charset="0"/>
+              <a:buChar char="•"/>
+            </a:pPr>
+            <a:r>
+              <a:rPr lang="en-US" sz="1600" dirty="0">
+                <a:solidFill>
+                  <a:schemeClr val="bg2"/>
+                </a:solidFill>
+                <a:latin typeface="+mn-lt"/>
+                <a:cs typeface="NATS" pitchFamily="2" charset="0"/>
+              </a:rPr>
+              <a:t>Songs-People</a:t>
+            </a:r>
+          </a:p>
+          <a:p>
+            <a:pPr marL="285750" indent="-285750">
+              <a:buFont typeface="Arial" panose="020B0604020202020204" pitchFamily="34" charset="0"/>
+              <a:buChar char="•"/>
+            </a:pPr>
+            <a:r>
+              <a:rPr lang="en-US" sz="1600" dirty="0">
+                <a:solidFill>
+                  <a:schemeClr val="bg2"/>
+                </a:solidFill>
+                <a:latin typeface="+mn-lt"/>
+                <a:cs typeface="NATS" pitchFamily="2" charset="0"/>
+              </a:rPr>
+              <a:t>People</a:t>
+            </a:r>
+          </a:p>
+          <a:p>
+            <a:pPr marL="285750" indent="-285750">
+              <a:buFont typeface="Arial" panose="020B0604020202020204" pitchFamily="34" charset="0"/>
+              <a:buChar char="•"/>
+            </a:pPr>
+            <a:endParaRPr lang="en-US" sz="1600" dirty="0">
+              <a:solidFill>
+                <a:schemeClr val="bg2"/>
+              </a:solidFill>
+              <a:latin typeface="+mn-lt"/>
+              <a:cs typeface="NATS" pitchFamily="2" charset="0"/>
+            </a:endParaRPr>
+          </a:p>
+          <a:p>
+            <a:r>
+              <a:rPr lang="en-US" sz="1600" dirty="0">
+                <a:solidFill>
+                  <a:schemeClr val="bg2"/>
+                </a:solidFill>
+                <a:latin typeface="+mn-lt"/>
+                <a:cs typeface="NATS" pitchFamily="2" charset="0"/>
+              </a:rPr>
+              <a:t>[3] Support the mass import of</a:t>
+            </a:r>
+          </a:p>
+          <a:p>
+            <a:endParaRPr lang="en-US" sz="1600" dirty="0">
+              <a:solidFill>
+                <a:schemeClr val="bg2"/>
+              </a:solidFill>
+              <a:latin typeface="+mn-lt"/>
+              <a:cs typeface="NATS" pitchFamily="2" charset="0"/>
+            </a:endParaRPr>
+          </a:p>
+          <a:p>
+            <a:pPr marL="285750" indent="-285750">
+              <a:buFont typeface="Arial" panose="020B0604020202020204" pitchFamily="34" charset="0"/>
+              <a:buChar char="•"/>
+            </a:pPr>
+            <a:r>
+              <a:rPr lang="en-US" sz="1600" dirty="0" err="1">
+                <a:solidFill>
+                  <a:schemeClr val="bg2"/>
+                </a:solidFill>
+                <a:latin typeface="+mn-lt"/>
+                <a:cs typeface="NATS" pitchFamily="2" charset="0"/>
+              </a:rPr>
+              <a:t>Mpr</a:t>
+            </a:r>
+            <a:r>
+              <a:rPr lang="en-US" sz="1600" dirty="0">
+                <a:solidFill>
+                  <a:schemeClr val="bg2"/>
+                </a:solidFill>
+                <a:latin typeface="+mn-lt"/>
+                <a:cs typeface="NATS" pitchFamily="2" charset="0"/>
+              </a:rPr>
+              <a:t> test data</a:t>
+            </a:r>
+          </a:p>
+          <a:p>
+            <a:pPr marL="285750" indent="-285750">
+              <a:buFont typeface="Arial" panose="020B0604020202020204" pitchFamily="34" charset="0"/>
+              <a:buChar char="•"/>
+            </a:pPr>
+            <a:r>
+              <a:rPr lang="en-US" sz="1600" dirty="0" err="1">
+                <a:solidFill>
+                  <a:schemeClr val="bg2"/>
+                </a:solidFill>
+                <a:latin typeface="+mn-lt"/>
+                <a:cs typeface="NATS" pitchFamily="2" charset="0"/>
+              </a:rPr>
+              <a:t>Mspr</a:t>
+            </a:r>
+            <a:r>
+              <a:rPr lang="en-US" sz="1600" dirty="0">
+                <a:solidFill>
+                  <a:schemeClr val="bg2"/>
+                </a:solidFill>
+                <a:latin typeface="+mn-lt"/>
+                <a:cs typeface="NATS" pitchFamily="2" charset="0"/>
+              </a:rPr>
+              <a:t> test data</a:t>
+            </a:r>
+          </a:p>
+          <a:p>
+            <a:endParaRPr lang="en-US" sz="1600" dirty="0">
+              <a:solidFill>
+                <a:schemeClr val="bg2"/>
+              </a:solidFill>
+              <a:latin typeface="+mn-lt"/>
+              <a:cs typeface="NATS" pitchFamily="2" charset="0"/>
+            </a:endParaRPr>
+          </a:p>
+        </p:txBody>
+      </p:sp>
+    </p:spTree>
+    <p:extLst>
+      <p:ext uri="{BB962C8B-B14F-4D97-AF65-F5344CB8AC3E}">
+        <p14:creationId xmlns:p14="http://schemas.microsoft.com/office/powerpoint/2010/main" val="1006548270"/>
+      </p:ext>
+    </p:extLst>
+  </p:cSld>
+  <p:clrMapOvr>
+    <a:masterClrMapping/>
+  </p:clrMapOvr>
+  <p:transition/>
+</p:sld>
+</file>
+
+<file path=ppt/slides/slide6.xml><?xml version="1.0" encoding="utf-8"?>
+<p:sld xmlns:a="http://schemas.openxmlformats.org/drawingml/2006/main" xmlns:r="http://schemas.openxmlformats.org/officeDocument/2006/relationships" xmlns:p="http://schemas.openxmlformats.org/presentationml/2006/main">
+  <p:cSld>
+    <p:spTree>
+      <p:nvGrpSpPr>
+        <p:cNvPr id="1" name=""/>
+        <p:cNvGrpSpPr/>
+        <p:nvPr/>
+      </p:nvGrpSpPr>
+      <p:grpSpPr>
+        <a:xfrm>
+          <a:off x="0" y="0"/>
+          <a:ext cx="0" cy="0"/>
+          <a:chOff x="0" y="0"/>
+          <a:chExt cx="0" cy="0"/>
+        </a:xfrm>
+      </p:grpSpPr>
+      <p:sp>
+        <p:nvSpPr>
+          <p:cNvPr id="2" name="Rectangle 2">
+            <a:extLst>
+              <a:ext uri="{FF2B5EF4-FFF2-40B4-BE49-F238E27FC236}">
+                <a16:creationId xmlns:a16="http://schemas.microsoft.com/office/drawing/2014/main" id="{78B07709-97CC-42A8-9B23-59FCDC8FAE05}"/>
+              </a:ext>
+            </a:extLst>
+          </p:cNvPr>
+          <p:cNvSpPr>
+            <a:spLocks noChangeArrowheads="1"/>
+          </p:cNvSpPr>
+          <p:nvPr/>
+        </p:nvSpPr>
+        <p:spPr bwMode="auto">
+          <a:xfrm>
+            <a:off x="0" y="0"/>
+            <a:ext cx="9144000" cy="0"/>
+          </a:xfrm>
+          <a:prstGeom prst="rect">
+            <a:avLst/>
+          </a:prstGeom>
+          <a:noFill/>
+          <a:ln>
+            <a:noFill/>
+          </a:ln>
+          <a:effectLst>
+            <a:prstShdw prst="shdw17" dist="17961" dir="2700000">
+              <a:schemeClr val="accent1">
+                <a:gamma/>
+                <a:shade val="60000"/>
+                <a:invGamma/>
+              </a:schemeClr>
+            </a:prstShdw>
+          </a:effectLst>
+          <a:extLst>
+            <a:ext uri="{909E8E84-426E-40DD-AFC4-6F175D3DCCD1}">
+              <a14:hiddenFill xmlns:a14="http://schemas.microsoft.com/office/drawing/2010/main">
+                <a:solidFill>
+                  <a:schemeClr val="accent1"/>
+                </a:solidFill>
+              </a14:hiddenFill>
+            </a:ext>
+            <a:ext uri="{91240B29-F687-4F45-9708-019B960494DF}">
+              <a14:hiddenLine xmlns:a14="http://schemas.microsoft.com/office/drawing/2010/main" w="12700" cap="flat" cmpd="sng">
+                <a:solidFill>
+                  <a:schemeClr val="tx1"/>
+                </a:solidFill>
+                <a:prstDash val="solid"/>
+                <a:miter lim="800000"/>
+                <a:headEnd type="none" w="sm" len="sm"/>
+                <a:tailEnd type="none" w="sm" len="sm"/>
+              </a14:hiddenLine>
+            </a:ext>
+          </a:extLst>
+        </p:spPr>
+        <p:txBody>
+          <a:bodyPr wrap="none" anchor="ctr">
+            <a:spAutoFit/>
+          </a:bodyPr>
+          <a:lstStyle/>
+          <a:p>
+            <a:pPr>
+              <a:defRPr/>
+            </a:pPr>
+            <a:endParaRPr lang="en-US">
+              <a:cs typeface="+mn-cs"/>
+            </a:endParaRPr>
+          </a:p>
+        </p:txBody>
+      </p:sp>
+      <p:sp>
+        <p:nvSpPr>
+          <p:cNvPr id="6" name="TextBox 5">
+            <a:extLst>
+              <a:ext uri="{FF2B5EF4-FFF2-40B4-BE49-F238E27FC236}">
+                <a16:creationId xmlns:a16="http://schemas.microsoft.com/office/drawing/2014/main" id="{7FB9AC0E-8734-4613-976B-11D0BEFFF939}"/>
+              </a:ext>
+            </a:extLst>
+          </p:cNvPr>
+          <p:cNvSpPr txBox="1"/>
+          <p:nvPr/>
+        </p:nvSpPr>
+        <p:spPr>
+          <a:xfrm>
+            <a:off x="1066800" y="157742"/>
             <a:ext cx="7992386" cy="461665"/>
           </a:xfrm>
           <a:prstGeom prst="rect">
@@ -3592,7 +4280,7 @@
 </p:sld>
 </file>
 
-<file path=ppt/slides/slide5.xml><?xml version="1.0" encoding="utf-8"?>
+<file path=ppt/slides/slide7.xml><?xml version="1.0" encoding="utf-8"?>
 <p:sld xmlns:a="http://schemas.openxmlformats.org/drawingml/2006/main" xmlns:r="http://schemas.openxmlformats.org/officeDocument/2006/relationships" xmlns:p="http://schemas.openxmlformats.org/presentationml/2006/main">
   <p:cSld>
     <p:spTree>
